--- a/Praesentationen/Poster.pptx
+++ b/Praesentationen/Poster.pptx
@@ -224,7 +224,7 @@
           <a:p>
             <a:fld id="{29E71B0D-9940-4443-94BE-59676DA1F7ED}" type="datetimeFigureOut">
               <a:rPr lang="en-US" smtClean="0"/>
-              <a:t>10/22/2019</a:t>
+              <a:t>10/23/2019</a:t>
             </a:fld>
             <a:endParaRPr lang="en-US"/>
           </a:p>
@@ -290,7 +290,7 @@
           <a:p>
             <a:fld id="{B229DDB0-B01E-4AA3-AC29-3726A98E08F5}" type="slidenum">
               <a:rPr lang="en-US" smtClean="0"/>
-              <a:t>‹Nr.›</a:t>
+              <a:t>‹#›</a:t>
             </a:fld>
             <a:endParaRPr lang="en-US"/>
           </a:p>
@@ -389,7 +389,7 @@
           <a:p>
             <a:fld id="{069C8F57-7E85-4724-BACE-DB32D6E31DA2}" type="datetimeFigureOut">
               <a:rPr lang="en-US" smtClean="0"/>
-              <a:t>10/22/2019</a:t>
+              <a:t>10/23/2019</a:t>
             </a:fld>
             <a:endParaRPr lang="en-US"/>
           </a:p>
@@ -548,7 +548,7 @@
           <a:p>
             <a:fld id="{1FC1A683-266A-4609-888B-4A281ADE5F74}" type="slidenum">
               <a:rPr lang="en-US" smtClean="0"/>
-              <a:t>‹Nr.›</a:t>
+              <a:t>‹#›</a:t>
             </a:fld>
             <a:endParaRPr lang="en-US"/>
           </a:p>
@@ -3314,8 +3314,8 @@
         </p:nvSpPr>
         <p:spPr>
           <a:xfrm>
-            <a:off x="2035996" y="16943251"/>
-            <a:ext cx="12708000" cy="7915229"/>
+            <a:off x="2035995" y="16943251"/>
+            <a:ext cx="13638713" cy="7915229"/>
           </a:xfrm>
         </p:spPr>
         <p:txBody>
@@ -3337,16 +3337,30 @@
               <a:buChar char="•"/>
             </a:pPr>
             <a:r>
-              <a:rPr lang="de-DE" dirty="0"/>
-              <a:t>Feature-</a:t>
-            </a:r>
-            <a:r>
-              <a:rPr lang="de-DE" dirty="0" err="1"/>
+              <a:rPr lang="de-DE" dirty="0" smtClean="0"/>
+              <a:t>Fixer Feature-</a:t>
+            </a:r>
+            <a:r>
+              <a:rPr lang="de-DE" dirty="0" err="1" smtClean="0"/>
               <a:t>Extrahierer</a:t>
             </a:r>
             <a:r>
-              <a:rPr lang="de-DE" dirty="0"/>
-              <a:t> Modul A – MobileNet-V2 (DNN)</a:t>
+              <a:rPr lang="de-DE" dirty="0" smtClean="0"/>
+              <a:t> (Modul A)   </a:t>
+            </a:r>
+            <a:r>
+              <a:rPr lang="de-DE" dirty="0" smtClean="0">
+                <a:sym typeface="Wingdings" panose="05000000000000000000" pitchFamily="2" charset="2"/>
+              </a:rPr>
+              <a:t> </a:t>
+            </a:r>
+            <a:r>
+              <a:rPr lang="de-DE" dirty="0" smtClean="0"/>
+              <a:t>MobileNet-V2 </a:t>
+            </a:r>
+            <a:r>
+              <a:rPr lang="de-DE" dirty="0"/>
+              <a:t>(DNN)</a:t>
             </a:r>
           </a:p>
           <a:p>
@@ -3356,11 +3370,25 @@
             </a:pPr>
             <a:r>
               <a:rPr lang="de-DE" dirty="0"/>
-              <a:t>Inkrementeller Klassifikator Modul B - </a:t>
-            </a:r>
-            <a:r>
-              <a:rPr lang="de-DE" dirty="0" err="1"/>
+              <a:t>Inkrementeller Klassifikator </a:t>
+            </a:r>
+            <a:r>
+              <a:rPr lang="de-DE" dirty="0" smtClean="0"/>
+              <a:t>(Modul B) </a:t>
+            </a:r>
+            <a:r>
+              <a:rPr lang="de-DE" dirty="0" smtClean="0">
+                <a:sym typeface="Wingdings" panose="05000000000000000000" pitchFamily="2" charset="2"/>
+              </a:rPr>
+              <a:t> </a:t>
+            </a:r>
+            <a:r>
+              <a:rPr lang="de-DE" dirty="0" err="1" smtClean="0"/>
               <a:t>FuzzyARTMAP</a:t>
+            </a:r>
+            <a:r>
+              <a:rPr lang="de-DE" dirty="0" smtClean="0"/>
+              <a:t>-Netzwerk</a:t>
             </a:r>
             <a:endParaRPr lang="de-DE" dirty="0"/>
           </a:p>
@@ -3374,12 +3402,16 @@
               <a:t>Einsatz des </a:t>
             </a:r>
             <a:r>
-              <a:rPr lang="de-DE" dirty="0" err="1"/>
+              <a:rPr lang="de-DE" i="1" dirty="0" err="1"/>
               <a:t>Federated</a:t>
             </a:r>
             <a:r>
-              <a:rPr lang="de-DE" dirty="0"/>
-              <a:t> Learning für das Verteilte Lernen</a:t>
+              <a:rPr lang="de-DE" i="1" dirty="0"/>
+              <a:t> Learning</a:t>
+            </a:r>
+            <a:r>
+              <a:rPr lang="de-DE" dirty="0"/>
+              <a:t> für das Verteilte Lernen</a:t>
             </a:r>
           </a:p>
         </p:txBody>
@@ -3437,23 +3469,23 @@
             </a:pPr>
             <a:r>
               <a:rPr lang="de-DE" dirty="0"/>
-              <a:t>Prototypische Implementierung in Python (</a:t>
-            </a:r>
-            <a:r>
-              <a:rPr lang="de-DE" dirty="0" err="1"/>
-              <a:t>Tensorflow</a:t>
-            </a:r>
-            <a:r>
-              <a:rPr lang="de-DE" dirty="0"/>
-              <a:t> und </a:t>
-            </a:r>
-            <a:r>
-              <a:rPr lang="de-DE" dirty="0" err="1"/>
-              <a:t>NumPy</a:t>
-            </a:r>
-            <a:r>
-              <a:rPr lang="de-DE" dirty="0"/>
-              <a:t>) zur Evaluierung des Algorithmus auf frei verfügbaren Bilddatensätzen (MNIST &amp; </a:t>
+              <a:t>Prototypische Implementierung in Python </a:t>
+            </a:r>
+            <a:r>
+              <a:rPr lang="de-DE" dirty="0" smtClean="0"/>
+              <a:t>zur </a:t>
+            </a:r>
+            <a:r>
+              <a:rPr lang="de-DE" dirty="0"/>
+              <a:t>Evaluierung des Algorithmus auf </a:t>
+            </a:r>
+            <a:r>
+              <a:rPr lang="de-DE" dirty="0" smtClean="0"/>
+              <a:t>Bilddatensätzen </a:t>
+            </a:r>
+            <a:r>
+              <a:rPr lang="de-DE" dirty="0"/>
+              <a:t>(MNIST &amp; </a:t>
             </a:r>
             <a:r>
               <a:rPr lang="de-DE" dirty="0" err="1"/>
@@ -3470,8 +3502,12 @@
               <a:buChar char="•"/>
             </a:pPr>
             <a:r>
-              <a:rPr lang="de-DE" dirty="0"/>
-              <a:t>Aufbau eines Demonstrators für das inkrementelle Klassen Lernen in Echtzeit auf einem Raspberry Pi 3 Model B</a:t>
+              <a:rPr lang="de-DE" dirty="0" smtClean="0"/>
+              <a:t>Demonstrator </a:t>
+            </a:r>
+            <a:r>
+              <a:rPr lang="de-DE" dirty="0"/>
+              <a:t>für das inkrementelle Klassen Lernen in Echtzeit auf einem Raspberry Pi 3 Model B</a:t>
             </a:r>
           </a:p>
           <a:p>
@@ -3565,15 +3601,21 @@
           <p:nvPr/>
         </p:nvPicPr>
         <p:blipFill>
-          <a:blip r:embed="rId4"/>
+          <a:blip r:embed="rId4">
+            <a:extLst>
+              <a:ext uri="{28A0092B-C50C-407E-A947-70E740481C1C}">
+                <a14:useLocalDpi xmlns:a14="http://schemas.microsoft.com/office/drawing/2010/main" val="0"/>
+              </a:ext>
+            </a:extLst>
+          </a:blip>
           <a:stretch>
             <a:fillRect/>
           </a:stretch>
         </p:blipFill>
         <p:spPr>
           <a:xfrm>
-            <a:off x="7940889" y="26723839"/>
-            <a:ext cx="7517275" cy="7140739"/>
+            <a:off x="7944880" y="26723839"/>
+            <a:ext cx="7509293" cy="7140739"/>
           </a:xfrm>
           <a:prstGeom prst="ellipse">
             <a:avLst/>
@@ -3606,8 +3648,8 @@
         </p:blipFill>
         <p:spPr>
           <a:xfrm>
-            <a:off x="629113" y="9399478"/>
-            <a:ext cx="11070414" cy="6274018"/>
+            <a:off x="882403" y="9399478"/>
+            <a:ext cx="10817124" cy="6130469"/>
           </a:xfrm>
           <a:prstGeom prst="rect">
             <a:avLst/>
@@ -3636,8 +3678,8 @@
         </p:blipFill>
         <p:spPr>
           <a:xfrm>
-            <a:off x="13850033" y="19656890"/>
-            <a:ext cx="16429942" cy="6106526"/>
+            <a:off x="14743996" y="18565360"/>
+            <a:ext cx="15535979" cy="5774266"/>
           </a:xfrm>
           <a:prstGeom prst="rect">
             <a:avLst/>
@@ -3694,8 +3736,8 @@
         </p:nvSpPr>
         <p:spPr>
           <a:xfrm>
-            <a:off x="2035995" y="35540928"/>
-            <a:ext cx="28243979" cy="5256879"/>
+            <a:off x="2035995" y="35661551"/>
+            <a:ext cx="28243979" cy="4450544"/>
           </a:xfrm>
           <a:prstGeom prst="rect">
             <a:avLst/>
@@ -3856,7 +3898,15 @@
             </a:pPr>
             <a:r>
               <a:rPr lang="de-DE" dirty="0"/>
-              <a:t>Gute Genauigkeiten mit geringem Speicher- und Rechenaufwand</a:t>
+              <a:t>Gute </a:t>
+            </a:r>
+            <a:r>
+              <a:rPr lang="de-DE" dirty="0" smtClean="0"/>
+              <a:t>Klassifikationsgenauigkeiten </a:t>
+            </a:r>
+            <a:r>
+              <a:rPr lang="de-DE" dirty="0"/>
+              <a:t>mit geringem Speicher- und Rechenaufwand</a:t>
             </a:r>
           </a:p>
           <a:p>
@@ -3866,8 +3916,21 @@
             </a:pPr>
             <a:r>
               <a:rPr lang="de-DE" dirty="0"/>
-              <a:t>Kein Genauigkeitsverlust durch verteiltes Lernen ohne Austausch von Daten</a:t>
-            </a:r>
+              <a:t>Kein Genauigkeitsverlust durch verteiltes Lernen </a:t>
+            </a:r>
+            <a:r>
+              <a:rPr lang="de-DE" dirty="0" smtClean="0"/>
+              <a:t>(ohne Speicherung und Austausch </a:t>
+            </a:r>
+            <a:r>
+              <a:rPr lang="de-DE" dirty="0"/>
+              <a:t>von </a:t>
+            </a:r>
+            <a:r>
+              <a:rPr lang="de-DE" dirty="0" smtClean="0"/>
+              <a:t>Daten)</a:t>
+            </a:r>
+            <a:endParaRPr lang="de-DE" dirty="0"/>
           </a:p>
           <a:p>
             <a:pPr marL="685800" indent="-685800">
@@ -3886,8 +3949,13 @@
             </a:pPr>
             <a:r>
               <a:rPr lang="de-DE" dirty="0"/>
-              <a:t>Aufbau eines echtzeitfähigen Demonstrators</a:t>
-            </a:r>
+              <a:t>Aufbau eines echtzeitfähigen </a:t>
+            </a:r>
+            <a:r>
+              <a:rPr lang="de-DE" dirty="0" smtClean="0"/>
+              <a:t>Demonstrators zur Live-Bild Klassifikation</a:t>
+            </a:r>
+            <a:endParaRPr lang="de-DE" dirty="0"/>
           </a:p>
           <a:p>
             <a:endParaRPr lang="de-DE" dirty="0"/>

--- a/Praesentationen/Poster.pptx
+++ b/Praesentationen/Poster.pptx
@@ -224,7 +224,7 @@
           <a:p>
             <a:fld id="{29E71B0D-9940-4443-94BE-59676DA1F7ED}" type="datetimeFigureOut">
               <a:rPr lang="en-US" smtClean="0"/>
-              <a:t>10/23/2019</a:t>
+              <a:t>10/28/2019</a:t>
             </a:fld>
             <a:endParaRPr lang="en-US"/>
           </a:p>
@@ -389,7 +389,7 @@
           <a:p>
             <a:fld id="{069C8F57-7E85-4724-BACE-DB32D6E31DA2}" type="datetimeFigureOut">
               <a:rPr lang="en-US" smtClean="0"/>
-              <a:t>10/23/2019</a:t>
+              <a:t>10/28/2019</a:t>
             </a:fld>
             <a:endParaRPr lang="en-US"/>
           </a:p>
@@ -3129,7 +3129,7 @@
         <p:spPr>
           <a:xfrm>
             <a:off x="11614322" y="9400346"/>
-            <a:ext cx="18668380" cy="4692002"/>
+            <a:ext cx="18668380" cy="6992570"/>
           </a:xfrm>
         </p:spPr>
         <p:txBody>
@@ -3295,10 +3295,14 @@
           <a:bodyPr/>
           <a:lstStyle/>
           <a:p>
-            <a:r>
-              <a:rPr lang="de-DE" dirty="0"/>
+            <a:endParaRPr lang="de-DE" dirty="0" smtClean="0"/>
+          </a:p>
+          <a:p>
+            <a:r>
+              <a:rPr lang="de-DE" dirty="0" smtClean="0"/>
               <a:t>Konzeption</a:t>
             </a:r>
+            <a:endParaRPr lang="de-DE" dirty="0"/>
           </a:p>
         </p:txBody>
       </p:sp>
@@ -3314,7 +3318,7 @@
         </p:nvSpPr>
         <p:spPr>
           <a:xfrm>
-            <a:off x="2035995" y="16943251"/>
+            <a:off x="2040511" y="17590621"/>
             <a:ext cx="13638713" cy="7915229"/>
           </a:xfrm>
         </p:spPr>
@@ -3455,8 +3459,8 @@
         </p:nvSpPr>
         <p:spPr>
           <a:xfrm>
-            <a:off x="15674709" y="28284579"/>
-            <a:ext cx="12708000" cy="5937107"/>
+            <a:off x="15674709" y="26723839"/>
+            <a:ext cx="12708000" cy="4473511"/>
           </a:xfrm>
         </p:spPr>
         <p:txBody>
@@ -3628,10 +3632,10 @@
       </p:pic>
       <p:pic>
         <p:nvPicPr>
-          <p:cNvPr id="22" name="Picture 8">
+          <p:cNvPr id="23" name="Picture 9">
             <a:extLst>
               <a:ext uri="{FF2B5EF4-FFF2-40B4-BE49-F238E27FC236}">
-                <a16:creationId xmlns:a16="http://schemas.microsoft.com/office/drawing/2014/main" id="{EFC3705E-CA81-4D21-8F1E-C2F7AD8D5D9B}"/>
+                <a16:creationId xmlns:a16="http://schemas.microsoft.com/office/drawing/2014/main" id="{BD80DCB9-D06E-4BAB-ACCE-18AA95ADEABB}"/>
               </a:ext>
             </a:extLst>
           </p:cNvPr>
@@ -3648,37 +3652,7 @@
         </p:blipFill>
         <p:spPr>
           <a:xfrm>
-            <a:off x="882403" y="9399478"/>
-            <a:ext cx="10817124" cy="6130469"/>
-          </a:xfrm>
-          <a:prstGeom prst="rect">
-            <a:avLst/>
-          </a:prstGeom>
-        </p:spPr>
-      </p:pic>
-      <p:pic>
-        <p:nvPicPr>
-          <p:cNvPr id="23" name="Picture 9">
-            <a:extLst>
-              <a:ext uri="{FF2B5EF4-FFF2-40B4-BE49-F238E27FC236}">
-                <a16:creationId xmlns:a16="http://schemas.microsoft.com/office/drawing/2014/main" id="{BD80DCB9-D06E-4BAB-ACCE-18AA95ADEABB}"/>
-              </a:ext>
-            </a:extLst>
-          </p:cNvPr>
-          <p:cNvPicPr>
-            <a:picLocks noChangeAspect="1"/>
-          </p:cNvPicPr>
-          <p:nvPr/>
-        </p:nvPicPr>
-        <p:blipFill>
-          <a:blip r:embed="rId6"/>
-          <a:stretch>
-            <a:fillRect/>
-          </a:stretch>
-        </p:blipFill>
-        <p:spPr>
-          <a:xfrm>
-            <a:off x="14743996" y="18565360"/>
+            <a:off x="14743996" y="19082534"/>
             <a:ext cx="15535979" cy="5774266"/>
           </a:xfrm>
           <a:prstGeom prst="rect">
@@ -3701,7 +3675,7 @@
           <p:nvPr/>
         </p:nvPicPr>
         <p:blipFill>
-          <a:blip r:embed="rId7"/>
+          <a:blip r:embed="rId6"/>
           <a:stretch>
             <a:fillRect/>
           </a:stretch>
@@ -3962,6 +3936,30 @@
           </a:p>
         </p:txBody>
       </p:sp>
+      <p:pic>
+        <p:nvPicPr>
+          <p:cNvPr id="21" name="Picture 20"/>
+          <p:cNvPicPr>
+            <a:picLocks noChangeAspect="1"/>
+          </p:cNvPicPr>
+          <p:nvPr/>
+        </p:nvPicPr>
+        <p:blipFill>
+          <a:blip r:embed="rId7"/>
+          <a:stretch>
+            <a:fillRect/>
+          </a:stretch>
+        </p:blipFill>
+        <p:spPr>
+          <a:xfrm>
+            <a:off x="2035995" y="9227468"/>
+            <a:ext cx="9003727" cy="6530360"/>
+          </a:xfrm>
+          <a:prstGeom prst="rect">
+            <a:avLst/>
+          </a:prstGeom>
+        </p:spPr>
+      </p:pic>
     </p:spTree>
     <p:extLst>
       <p:ext uri="{BB962C8B-B14F-4D97-AF65-F5344CB8AC3E}">
@@ -3984,6 +3982,9 @@
                     <p:cTn id="3" fill="hold">
                       <p:stCondLst>
                         <p:cond delay="indefinite"/>
+                        <p:cond evt="onBegin" delay="0">
+                          <p:tn val="2"/>
+                        </p:cond>
                       </p:stCondLst>
                       <p:childTnLst>
                         <p:par>
@@ -3993,7 +3994,7 @@
                             </p:stCondLst>
                             <p:childTnLst>
                               <p:par>
-                                <p:cTn id="5" presetID="1" presetClass="entr" presetSubtype="0" fill="hold" nodeType="clickEffect">
+                                <p:cTn id="5" presetID="1" presetClass="entr" presetSubtype="0" fill="hold" nodeType="withEffect">
                                   <p:stCondLst>
                                     <p:cond delay="0"/>
                                   </p:stCondLst>
@@ -4006,7 +4007,7 @@
                                           </p:stCondLst>
                                         </p:cTn>
                                         <p:tgtEl>
-                                          <p:spTgt spid="22"/>
+                                          <p:spTgt spid="23"/>
                                         </p:tgtEl>
                                         <p:attrNameLst>
                                           <p:attrName>style.visibility</p:attrName>
@@ -4019,66 +4020,21 @@
                                   </p:childTnLst>
                                 </p:cTn>
                               </p:par>
-                            </p:childTnLst>
-                          </p:cTn>
-                        </p:par>
-                      </p:childTnLst>
-                    </p:cTn>
-                  </p:par>
-                  <p:par>
-                    <p:cTn id="7" fill="hold">
-                      <p:stCondLst>
-                        <p:cond delay="indefinite"/>
-                      </p:stCondLst>
-                      <p:childTnLst>
-                        <p:par>
-                          <p:cTn id="8" fill="hold">
-                            <p:stCondLst>
-                              <p:cond delay="0"/>
-                            </p:stCondLst>
-                            <p:childTnLst>
                               <p:par>
-                                <p:cTn id="9" presetID="1" presetClass="exit" presetSubtype="0" fill="hold" nodeType="clickEffect">
+                                <p:cTn id="7" presetID="1" presetClass="entr" presetSubtype="0" fill="hold" nodeType="withEffect">
                                   <p:stCondLst>
                                     <p:cond delay="0"/>
                                   </p:stCondLst>
                                   <p:childTnLst>
                                     <p:set>
                                       <p:cBhvr>
-                                        <p:cTn id="10" dur="1" fill="hold">
+                                        <p:cTn id="8" dur="1" fill="hold">
                                           <p:stCondLst>
                                             <p:cond delay="0"/>
                                           </p:stCondLst>
                                         </p:cTn>
                                         <p:tgtEl>
-                                          <p:spTgt spid="22"/>
-                                        </p:tgtEl>
-                                        <p:attrNameLst>
-                                          <p:attrName>style.visibility</p:attrName>
-                                        </p:attrNameLst>
-                                      </p:cBhvr>
-                                      <p:to>
-                                        <p:strVal val="hidden"/>
-                                      </p:to>
-                                    </p:set>
-                                  </p:childTnLst>
-                                </p:cTn>
-                              </p:par>
-                              <p:par>
-                                <p:cTn id="11" presetID="1" presetClass="entr" presetSubtype="0" fill="hold" nodeType="withEffect">
-                                  <p:stCondLst>
-                                    <p:cond delay="0"/>
-                                  </p:stCondLst>
-                                  <p:childTnLst>
-                                    <p:set>
-                                      <p:cBhvr>
-                                        <p:cTn id="12" dur="1" fill="hold">
-                                          <p:stCondLst>
-                                            <p:cond delay="0"/>
-                                          </p:stCondLst>
-                                        </p:cTn>
-                                        <p:tgtEl>
-                                          <p:spTgt spid="23"/>
+                                          <p:spTgt spid="21"/>
                                         </p:tgtEl>
                                         <p:attrNameLst>
                                           <p:attrName>style.visibility</p:attrName>
